--- a/0_intro_re/vuln_disclosure.pptx
+++ b/0_intro_re/vuln_disclosure.pptx
@@ -6352,15 +6352,24 @@
             <a:pPr lvl="1"/>
             <a:r>
               <a:rPr lang="en-US" dirty="0" smtClean="0"/>
-              <a:t>“Researchers” keep at it b/c it makes them famous</a:t>
+              <a:t>Researchers </a:t>
+            </a:r>
+            <a:r>
+              <a:rPr lang="en-US" dirty="0" smtClean="0"/>
+              <a:t>keep at it b/c it makes them famous</a:t>
             </a:r>
           </a:p>
           <a:p>
             <a:pPr lvl="1"/>
             <a:r>
               <a:rPr lang="en-US" dirty="0" smtClean="0"/>
-              <a:t>Has FD resulted in a reduction of attacks? Hardly</a:t>
-            </a:r>
+              <a:t>Has FD resulted in a reduction of attacks</a:t>
+            </a:r>
+            <a:r>
+              <a:rPr lang="en-US" dirty="0" smtClean="0"/>
+              <a:t>?</a:t>
+            </a:r>
+            <a:endParaRPr lang="en-US" dirty="0" smtClean="0"/>
           </a:p>
           <a:p>
             <a:endParaRPr lang="en-US" dirty="0"/>
@@ -6530,24 +6539,32 @@
           <a:p>
             <a:pPr lvl="1"/>
             <a:r>
+              <a:rPr lang="en-US" dirty="0" err="1" smtClean="0"/>
+              <a:t>RFPolicy</a:t>
+            </a:r>
+            <a:r>
+              <a:rPr lang="en-US" dirty="0" smtClean="0"/>
+              <a:t> and </a:t>
+            </a:r>
+            <a:r>
+              <a:rPr lang="en-US" dirty="0" err="1" smtClean="0"/>
+              <a:t>Christey</a:t>
+            </a:r>
+            <a:r>
+              <a:rPr lang="en-US" dirty="0" smtClean="0"/>
+              <a:t>/</a:t>
+            </a:r>
+            <a:r>
+              <a:rPr lang="en-US" dirty="0" err="1" smtClean="0"/>
+              <a:t>Wysopal</a:t>
+            </a:r>
+            <a:r>
+              <a:rPr lang="en-US" dirty="0" smtClean="0"/>
+              <a:t> IETF draft </a:t>
+            </a:r>
+            <a:r>
               <a:rPr lang="en-US" dirty="0"/>
-              <a:t>Submitted to IETF by </a:t>
-            </a:r>
-            <a:r>
-              <a:rPr lang="en-US" dirty="0" err="1"/>
-              <a:t>Christey</a:t>
-            </a:r>
-            <a:r>
-              <a:rPr lang="en-US" dirty="0"/>
-              <a:t> and </a:t>
-            </a:r>
-            <a:r>
-              <a:rPr lang="en-US" dirty="0" err="1"/>
-              <a:t>Wysopal</a:t>
-            </a:r>
-            <a:r>
-              <a:rPr lang="en-US" dirty="0"/>
-              <a:t> in 2002*</a:t>
+              <a:t>in 2002*</a:t>
             </a:r>
           </a:p>
           <a:p>
@@ -7653,7 +7670,11 @@
             <a:pPr lvl="1"/>
             <a:r>
               <a:rPr lang="en-US" dirty="0" smtClean="0"/>
-              <a:t>Companies hacked in </a:t>
+              <a:t>However, companies </a:t>
+            </a:r>
+            <a:r>
+              <a:rPr lang="en-US" dirty="0" smtClean="0"/>
+              <a:t>hacked in </a:t>
             </a:r>
             <a:r>
               <a:rPr lang="en-US" i="1" dirty="0" smtClean="0"/>
